--- a/_plans/Mock Design.pptx
+++ b/_plans/Mock Design.pptx
@@ -2,7 +2,7 @@
 <file path=ppt/presentation.xml><?xml version="1.0" encoding="utf-8"?>
 <p:presentation xmlns:a="http://schemas.openxmlformats.org/drawingml/2006/main" xmlns:r="http://schemas.openxmlformats.org/officeDocument/2006/relationships" xmlns:p="http://schemas.openxmlformats.org/presentationml/2006/main" saveSubsetFonts="1">
   <p:sldMasterIdLst>
-    <p:sldMasterId id="2147483672" r:id="rId1"/>
+    <p:sldMasterId id="2147483772" r:id="rId1"/>
   </p:sldMasterIdLst>
   <p:sldIdLst>
     <p:sldId id="256" r:id="rId2"/>
@@ -196,7 +196,7 @@
               <a:rPr lang="en-US" smtClean="0"/>
               <a:t>Click to edit Master title style</a:t>
             </a:r>
-            <a:endParaRPr lang="en-US" dirty="0"/>
+            <a:endParaRPr lang="en-US"/>
           </a:p>
         </p:txBody>
       </p:sp>
@@ -261,7 +261,7 @@
               <a:rPr lang="en-US" smtClean="0"/>
               <a:t>Click to edit Master subtitle style</a:t>
             </a:r>
-            <a:endParaRPr lang="en-US" dirty="0"/>
+            <a:endParaRPr lang="en-US"/>
           </a:p>
         </p:txBody>
       </p:sp>
@@ -333,7 +333,7 @@
     </p:spTree>
     <p:extLst>
       <p:ext uri="{BB962C8B-B14F-4D97-AF65-F5344CB8AC3E}">
-        <p14:creationId xmlns:p14="http://schemas.microsoft.com/office/powerpoint/2010/main" val="411785852"/>
+        <p14:creationId xmlns:p14="http://schemas.microsoft.com/office/powerpoint/2010/main" val="423160068"/>
       </p:ext>
     </p:extLst>
   </p:cSld>
@@ -379,7 +379,7 @@
               <a:rPr lang="en-US" smtClean="0"/>
               <a:t>Click to edit Master title style</a:t>
             </a:r>
-            <a:endParaRPr lang="en-US" dirty="0"/>
+            <a:endParaRPr lang="en-US"/>
           </a:p>
         </p:txBody>
       </p:sp>
@@ -431,7 +431,7 @@
               <a:rPr lang="en-US" smtClean="0"/>
               <a:t>Fifth level</a:t>
             </a:r>
-            <a:endParaRPr lang="en-US" dirty="0"/>
+            <a:endParaRPr lang="en-US"/>
           </a:p>
         </p:txBody>
       </p:sp>
@@ -503,7 +503,7 @@
     </p:spTree>
     <p:extLst>
       <p:ext uri="{BB962C8B-B14F-4D97-AF65-F5344CB8AC3E}">
-        <p14:creationId xmlns:p14="http://schemas.microsoft.com/office/powerpoint/2010/main" val="2828831608"/>
+        <p14:creationId xmlns:p14="http://schemas.microsoft.com/office/powerpoint/2010/main" val="349252536"/>
       </p:ext>
     </p:extLst>
   </p:cSld>
@@ -554,7 +554,7 @@
               <a:rPr lang="en-US" smtClean="0"/>
               <a:t>Click to edit Master title style</a:t>
             </a:r>
-            <a:endParaRPr lang="en-US" dirty="0"/>
+            <a:endParaRPr lang="en-US"/>
           </a:p>
         </p:txBody>
       </p:sp>
@@ -611,7 +611,7 @@
               <a:rPr lang="en-US" smtClean="0"/>
               <a:t>Fifth level</a:t>
             </a:r>
-            <a:endParaRPr lang="en-US" dirty="0"/>
+            <a:endParaRPr lang="en-US"/>
           </a:p>
         </p:txBody>
       </p:sp>
@@ -683,7 +683,7 @@
     </p:spTree>
     <p:extLst>
       <p:ext uri="{BB962C8B-B14F-4D97-AF65-F5344CB8AC3E}">
-        <p14:creationId xmlns:p14="http://schemas.microsoft.com/office/powerpoint/2010/main" val="1169336514"/>
+        <p14:creationId xmlns:p14="http://schemas.microsoft.com/office/powerpoint/2010/main" val="2636254951"/>
       </p:ext>
     </p:extLst>
   </p:cSld>
@@ -729,7 +729,7 @@
               <a:rPr lang="en-US" smtClean="0"/>
               <a:t>Click to edit Master title style</a:t>
             </a:r>
-            <a:endParaRPr lang="en-US" dirty="0"/>
+            <a:endParaRPr lang="en-US"/>
           </a:p>
         </p:txBody>
       </p:sp>
@@ -781,7 +781,7 @@
               <a:rPr lang="en-US" smtClean="0"/>
               <a:t>Fifth level</a:t>
             </a:r>
-            <a:endParaRPr lang="en-US" dirty="0"/>
+            <a:endParaRPr lang="en-US"/>
           </a:p>
         </p:txBody>
       </p:sp>
@@ -853,7 +853,7 @@
     </p:spTree>
     <p:extLst>
       <p:ext uri="{BB962C8B-B14F-4D97-AF65-F5344CB8AC3E}">
-        <p14:creationId xmlns:p14="http://schemas.microsoft.com/office/powerpoint/2010/main" val="3016158768"/>
+        <p14:creationId xmlns:p14="http://schemas.microsoft.com/office/powerpoint/2010/main" val="1521967846"/>
       </p:ext>
     </p:extLst>
   </p:cSld>
@@ -908,7 +908,7 @@
               <a:rPr lang="en-US" smtClean="0"/>
               <a:t>Click to edit Master title style</a:t>
             </a:r>
-            <a:endParaRPr lang="en-US" dirty="0"/>
+            <a:endParaRPr lang="en-US"/>
           </a:p>
         </p:txBody>
       </p:sp>
@@ -1099,7 +1099,7 @@
     </p:spTree>
     <p:extLst>
       <p:ext uri="{BB962C8B-B14F-4D97-AF65-F5344CB8AC3E}">
-        <p14:creationId xmlns:p14="http://schemas.microsoft.com/office/powerpoint/2010/main" val="1598602632"/>
+        <p14:creationId xmlns:p14="http://schemas.microsoft.com/office/powerpoint/2010/main" val="2092178105"/>
       </p:ext>
     </p:extLst>
   </p:cSld>
@@ -1145,7 +1145,7 @@
               <a:rPr lang="en-US" smtClean="0"/>
               <a:t>Click to edit Master title style</a:t>
             </a:r>
-            <a:endParaRPr lang="en-US" dirty="0"/>
+            <a:endParaRPr lang="en-US"/>
           </a:p>
         </p:txBody>
       </p:sp>
@@ -1202,7 +1202,7 @@
               <a:rPr lang="en-US" smtClean="0"/>
               <a:t>Fifth level</a:t>
             </a:r>
-            <a:endParaRPr lang="en-US" dirty="0"/>
+            <a:endParaRPr lang="en-US"/>
           </a:p>
         </p:txBody>
       </p:sp>
@@ -1259,7 +1259,7 @@
               <a:rPr lang="en-US" smtClean="0"/>
               <a:t>Fifth level</a:t>
             </a:r>
-            <a:endParaRPr lang="en-US" dirty="0"/>
+            <a:endParaRPr lang="en-US"/>
           </a:p>
         </p:txBody>
       </p:sp>
@@ -1331,7 +1331,7 @@
     </p:spTree>
     <p:extLst>
       <p:ext uri="{BB962C8B-B14F-4D97-AF65-F5344CB8AC3E}">
-        <p14:creationId xmlns:p14="http://schemas.microsoft.com/office/powerpoint/2010/main" val="1431911408"/>
+        <p14:creationId xmlns:p14="http://schemas.microsoft.com/office/powerpoint/2010/main" val="1546125714"/>
       </p:ext>
     </p:extLst>
   </p:cSld>
@@ -1382,7 +1382,7 @@
               <a:rPr lang="en-US" smtClean="0"/>
               <a:t>Click to edit Master title style</a:t>
             </a:r>
-            <a:endParaRPr lang="en-US" dirty="0"/>
+            <a:endParaRPr lang="en-US"/>
           </a:p>
         </p:txBody>
       </p:sp>
@@ -1504,7 +1504,7 @@
               <a:rPr lang="en-US" smtClean="0"/>
               <a:t>Fifth level</a:t>
             </a:r>
-            <a:endParaRPr lang="en-US" dirty="0"/>
+            <a:endParaRPr lang="en-US"/>
           </a:p>
         </p:txBody>
       </p:sp>
@@ -1626,7 +1626,7 @@
               <a:rPr lang="en-US" smtClean="0"/>
               <a:t>Fifth level</a:t>
             </a:r>
-            <a:endParaRPr lang="en-US" dirty="0"/>
+            <a:endParaRPr lang="en-US"/>
           </a:p>
         </p:txBody>
       </p:sp>
@@ -1698,7 +1698,7 @@
     </p:spTree>
     <p:extLst>
       <p:ext uri="{BB962C8B-B14F-4D97-AF65-F5344CB8AC3E}">
-        <p14:creationId xmlns:p14="http://schemas.microsoft.com/office/powerpoint/2010/main" val="1594940127"/>
+        <p14:creationId xmlns:p14="http://schemas.microsoft.com/office/powerpoint/2010/main" val="3043895941"/>
       </p:ext>
     </p:extLst>
   </p:cSld>
@@ -1744,7 +1744,7 @@
               <a:rPr lang="en-US" smtClean="0"/>
               <a:t>Click to edit Master title style</a:t>
             </a:r>
-            <a:endParaRPr lang="en-US" dirty="0"/>
+            <a:endParaRPr lang="en-US"/>
           </a:p>
         </p:txBody>
       </p:sp>
@@ -1816,7 +1816,7 @@
     </p:spTree>
     <p:extLst>
       <p:ext uri="{BB962C8B-B14F-4D97-AF65-F5344CB8AC3E}">
-        <p14:creationId xmlns:p14="http://schemas.microsoft.com/office/powerpoint/2010/main" val="193665148"/>
+        <p14:creationId xmlns:p14="http://schemas.microsoft.com/office/powerpoint/2010/main" val="921573914"/>
       </p:ext>
     </p:extLst>
   </p:cSld>
@@ -1911,7 +1911,7 @@
     </p:spTree>
     <p:extLst>
       <p:ext uri="{BB962C8B-B14F-4D97-AF65-F5344CB8AC3E}">
-        <p14:creationId xmlns:p14="http://schemas.microsoft.com/office/powerpoint/2010/main" val="2049455187"/>
+        <p14:creationId xmlns:p14="http://schemas.microsoft.com/office/powerpoint/2010/main" val="390185792"/>
       </p:ext>
     </p:extLst>
   </p:cSld>
@@ -1966,7 +1966,7 @@
               <a:rPr lang="en-US" smtClean="0"/>
               <a:t>Click to edit Master title style</a:t>
             </a:r>
-            <a:endParaRPr lang="en-US" dirty="0"/>
+            <a:endParaRPr lang="en-US"/>
           </a:p>
         </p:txBody>
       </p:sp>
@@ -2051,7 +2051,7 @@
               <a:rPr lang="en-US" smtClean="0"/>
               <a:t>Fifth level</a:t>
             </a:r>
-            <a:endParaRPr lang="en-US" dirty="0"/>
+            <a:endParaRPr lang="en-US"/>
           </a:p>
         </p:txBody>
       </p:sp>
@@ -2188,7 +2188,7 @@
     </p:spTree>
     <p:extLst>
       <p:ext uri="{BB962C8B-B14F-4D97-AF65-F5344CB8AC3E}">
-        <p14:creationId xmlns:p14="http://schemas.microsoft.com/office/powerpoint/2010/main" val="1991015951"/>
+        <p14:creationId xmlns:p14="http://schemas.microsoft.com/office/powerpoint/2010/main" val="552953243"/>
       </p:ext>
     </p:extLst>
   </p:cSld>
@@ -2243,7 +2243,7 @@
               <a:rPr lang="en-US" smtClean="0"/>
               <a:t>Click to edit Master title style</a:t>
             </a:r>
-            <a:endParaRPr lang="en-US" dirty="0"/>
+            <a:endParaRPr lang="en-US"/>
           </a:p>
         </p:txBody>
       </p:sp>
@@ -2251,7 +2251,7 @@
         <p:nvSpPr>
           <p:cNvPr id="3" name="Picture Placeholder 2"/>
           <p:cNvSpPr>
-            <a:spLocks noGrp="1" noChangeAspect="1"/>
+            <a:spLocks noGrp="1"/>
           </p:cNvSpPr>
           <p:nvPr>
             <p:ph type="pic" idx="1"/>
@@ -2264,7 +2264,7 @@
           </a:xfrm>
         </p:spPr>
         <p:txBody>
-          <a:bodyPr anchor="t"/>
+          <a:bodyPr/>
           <a:lstStyle>
             <a:lvl1pPr marL="0" indent="0">
               <a:buNone/>
@@ -2304,11 +2304,7 @@
             </a:lvl9pPr>
           </a:lstStyle>
           <a:p>
-            <a:r>
-              <a:rPr lang="en-US" smtClean="0"/>
-              <a:t>Click icon to add picture</a:t>
-            </a:r>
-            <a:endParaRPr lang="en-US" dirty="0"/>
+            <a:endParaRPr lang="en-US"/>
           </a:p>
         </p:txBody>
       </p:sp>
@@ -2445,7 +2441,7 @@
     </p:spTree>
     <p:extLst>
       <p:ext uri="{BB962C8B-B14F-4D97-AF65-F5344CB8AC3E}">
-        <p14:creationId xmlns:p14="http://schemas.microsoft.com/office/powerpoint/2010/main" val="2292735685"/>
+        <p14:creationId xmlns:p14="http://schemas.microsoft.com/office/powerpoint/2010/main" val="3664358354"/>
       </p:ext>
     </p:extLst>
   </p:cSld>
@@ -2459,9 +2455,17 @@
 <p:sldMaster xmlns:a="http://schemas.openxmlformats.org/drawingml/2006/main" xmlns:r="http://schemas.openxmlformats.org/officeDocument/2006/relationships" xmlns:p="http://schemas.openxmlformats.org/presentationml/2006/main">
   <p:cSld>
     <p:bg>
-      <p:bgRef idx="1001">
-        <a:schemeClr val="bg1"/>
-      </p:bgRef>
+      <p:bgPr>
+        <a:blipFill dpi="0" rotWithShape="1">
+          <a:blip r:embed="rId13">
+            <a:alphaModFix amt="75000"/>
+            <a:lum/>
+          </a:blip>
+          <a:srcRect/>
+          <a:tile tx="0" ty="0" sx="100000" sy="100000" flip="none" algn="tl"/>
+        </a:blipFill>
+        <a:effectLst/>
+      </p:bgPr>
     </p:bg>
     <p:spTree>
       <p:nvGrpSpPr>
@@ -2506,7 +2510,7 @@
               <a:rPr lang="en-US" smtClean="0"/>
               <a:t>Click to edit Master title style</a:t>
             </a:r>
-            <a:endParaRPr lang="en-US" dirty="0"/>
+            <a:endParaRPr lang="en-US"/>
           </a:p>
         </p:txBody>
       </p:sp>
@@ -2568,7 +2572,7 @@
               <a:rPr lang="en-US" smtClean="0"/>
               <a:t>Fifth level</a:t>
             </a:r>
-            <a:endParaRPr lang="en-US" dirty="0"/>
+            <a:endParaRPr lang="en-US"/>
           </a:p>
         </p:txBody>
       </p:sp>
@@ -2694,23 +2698,23 @@
     </p:spTree>
     <p:extLst>
       <p:ext uri="{BB962C8B-B14F-4D97-AF65-F5344CB8AC3E}">
-        <p14:creationId xmlns:p14="http://schemas.microsoft.com/office/powerpoint/2010/main" val="2073348382"/>
+        <p14:creationId xmlns:p14="http://schemas.microsoft.com/office/powerpoint/2010/main" val="1593820797"/>
       </p:ext>
     </p:extLst>
   </p:cSld>
   <p:clrMap bg1="lt1" tx1="dk1" bg2="lt2" tx2="dk2" accent1="accent1" accent2="accent2" accent3="accent3" accent4="accent4" accent5="accent5" accent6="accent6" hlink="hlink" folHlink="folHlink"/>
   <p:sldLayoutIdLst>
-    <p:sldLayoutId id="2147483673" r:id="rId1"/>
-    <p:sldLayoutId id="2147483674" r:id="rId2"/>
-    <p:sldLayoutId id="2147483675" r:id="rId3"/>
-    <p:sldLayoutId id="2147483676" r:id="rId4"/>
-    <p:sldLayoutId id="2147483677" r:id="rId5"/>
-    <p:sldLayoutId id="2147483678" r:id="rId6"/>
-    <p:sldLayoutId id="2147483679" r:id="rId7"/>
-    <p:sldLayoutId id="2147483680" r:id="rId8"/>
-    <p:sldLayoutId id="2147483681" r:id="rId9"/>
-    <p:sldLayoutId id="2147483682" r:id="rId10"/>
-    <p:sldLayoutId id="2147483683" r:id="rId11"/>
+    <p:sldLayoutId id="2147483773" r:id="rId1"/>
+    <p:sldLayoutId id="2147483774" r:id="rId2"/>
+    <p:sldLayoutId id="2147483775" r:id="rId3"/>
+    <p:sldLayoutId id="2147483776" r:id="rId4"/>
+    <p:sldLayoutId id="2147483777" r:id="rId5"/>
+    <p:sldLayoutId id="2147483778" r:id="rId6"/>
+    <p:sldLayoutId id="2147483779" r:id="rId7"/>
+    <p:sldLayoutId id="2147483780" r:id="rId8"/>
+    <p:sldLayoutId id="2147483781" r:id="rId9"/>
+    <p:sldLayoutId id="2147483782" r:id="rId10"/>
+    <p:sldLayoutId id="2147483783" r:id="rId11"/>
   </p:sldLayoutIdLst>
   <p:txStyles>
     <p:titleStyle>
@@ -3214,26 +3218,39 @@
           <a:lstStyle/>
           <a:p>
             <a:r>
-              <a:rPr lang="en-US" b="1" dirty="0" err="1" smtClean="0"/>
-              <a:t>Github</a:t>
+              <a:rPr lang="en-US" b="1" dirty="0" smtClean="0"/>
+              <a:t>Repository</a:t>
+            </a:r>
+            <a:r>
+              <a:rPr lang="en-US" dirty="0" smtClean="0"/>
+              <a:t>: </a:t>
+            </a:r>
+            <a:r>
+              <a:rPr lang="en-US" dirty="0" err="1" smtClean="0">
+                <a:hlinkClick r:id="rId2"/>
+              </a:rPr>
+              <a:t>GitHub</a:t>
+            </a:r>
+            <a:endParaRPr lang="en-US" dirty="0" smtClean="0"/>
+          </a:p>
+          <a:p>
+            <a:r>
+              <a:rPr lang="en-US" b="1" dirty="0" err="1"/>
+              <a:t>BackEnd</a:t>
             </a:r>
             <a:r>
               <a:rPr lang="en-US" dirty="0"/>
               <a:t>: </a:t>
             </a:r>
             <a:r>
-              <a:rPr lang="en-US" dirty="0">
-                <a:hlinkClick r:id="rId2"/>
-              </a:rPr>
-              <a:t>https://</a:t>
-            </a:r>
-            <a:r>
-              <a:rPr lang="en-US" dirty="0" smtClean="0">
-                <a:hlinkClick r:id="rId2"/>
-              </a:rPr>
-              <a:t>github.com/dipu-bd/VaccineForChild</a:t>
-            </a:r>
-            <a:endParaRPr lang="en-US" dirty="0" smtClean="0"/>
+              <a:rPr lang="en-US" dirty="0" err="1" smtClean="0"/>
+              <a:t>NodeJS</a:t>
+            </a:r>
+            <a:r>
+              <a:rPr lang="en-US" dirty="0" smtClean="0"/>
+              <a:t> Express with Jade</a:t>
+            </a:r>
+            <a:endParaRPr lang="en-US" b="1" dirty="0" smtClean="0"/>
           </a:p>
           <a:p>
             <a:r>
@@ -3242,7 +3259,15 @@
             </a:r>
             <a:r>
               <a:rPr lang="en-US" dirty="0" smtClean="0"/>
-              <a:t>: Bootstrap, </a:t>
+              <a:t>: </a:t>
+            </a:r>
+            <a:r>
+              <a:rPr lang="en-US" dirty="0" smtClean="0"/>
+              <a:t>HTML, CSS, Bootstrap</a:t>
+            </a:r>
+            <a:r>
+              <a:rPr lang="en-US" dirty="0" smtClean="0"/>
+              <a:t>, </a:t>
             </a:r>
             <a:r>
               <a:rPr lang="en-US" dirty="0" err="1" smtClean="0"/>
@@ -3252,46 +3277,43 @@
           </a:p>
           <a:p>
             <a:r>
-              <a:rPr lang="en-US" b="1" dirty="0" err="1" smtClean="0"/>
-              <a:t>BackEnd</a:t>
+              <a:rPr lang="en-US" b="1" dirty="0" smtClean="0"/>
+              <a:t>Database</a:t>
             </a:r>
             <a:r>
               <a:rPr lang="en-US" dirty="0" smtClean="0"/>
               <a:t>: </a:t>
             </a:r>
             <a:r>
+              <a:rPr lang="en-US" dirty="0" smtClean="0"/>
+              <a:t>MySQL client - </a:t>
+            </a:r>
+            <a:r>
               <a:rPr lang="en-US" dirty="0" err="1" smtClean="0"/>
-              <a:t>NodeJS</a:t>
+              <a:t>InnoDB</a:t>
+            </a:r>
+            <a:r>
+              <a:rPr lang="en-US" dirty="0" smtClean="0"/>
+              <a:t> storage.</a:t>
+            </a:r>
+            <a:endParaRPr lang="en-US" dirty="0" smtClean="0"/>
+          </a:p>
+          <a:p>
+            <a:r>
+              <a:rPr lang="en-US" b="1" dirty="0" smtClean="0"/>
+              <a:t>Editor Used</a:t>
+            </a:r>
+            <a:r>
+              <a:rPr lang="en-US" dirty="0" smtClean="0"/>
+              <a:t>: </a:t>
+            </a:r>
+            <a:r>
+              <a:rPr lang="en-US" dirty="0" smtClean="0">
+                <a:hlinkClick r:id="rId3"/>
+              </a:rPr>
+              <a:t>Pony ORM Editor</a:t>
             </a:r>
             <a:endParaRPr lang="en-US" dirty="0"/>
-          </a:p>
-          <a:p>
-            <a:r>
-              <a:rPr lang="en-US" b="1" dirty="0" smtClean="0"/>
-              <a:t>Database</a:t>
-            </a:r>
-            <a:r>
-              <a:rPr lang="en-US" dirty="0" smtClean="0"/>
-              <a:t>: MySQL</a:t>
-            </a:r>
-          </a:p>
-          <a:p>
-            <a:r>
-              <a:rPr lang="en-US" b="1" dirty="0"/>
-              <a:t>Database</a:t>
-            </a:r>
-            <a:r>
-              <a:rPr lang="en-US" dirty="0"/>
-              <a:t> </a:t>
-            </a:r>
-            <a:r>
-              <a:rPr lang="en-US" b="1" dirty="0"/>
-              <a:t>Design</a:t>
-            </a:r>
-            <a:r>
-              <a:rPr lang="en-US" dirty="0"/>
-              <a:t>: https://editor.ponyorm.com/user/sdipu/VaccineDB</a:t>
-            </a:r>
           </a:p>
         </p:txBody>
       </p:sp>
@@ -3354,7 +3376,7 @@
           <a:p>
             <a:r>
               <a:rPr lang="en-US" dirty="0" smtClean="0"/>
-              <a:t>Developer Information</a:t>
+              <a:t>Developers</a:t>
             </a:r>
             <a:endParaRPr lang="en-US" dirty="0"/>
           </a:p>
@@ -3622,7 +3644,7 @@
         </p:blipFill>
         <p:spPr>
           <a:xfrm>
-            <a:off x="1279634" y="1279470"/>
+            <a:off x="838200" y="1042988"/>
             <a:ext cx="7611537" cy="5068007"/>
           </a:xfrm>
           <a:prstGeom prst="rect">
@@ -4133,7 +4155,9 @@
           </a:xfrm>
         </p:spPr>
         <p:txBody>
-          <a:bodyPr/>
+          <a:bodyPr>
+            <a:normAutofit/>
+          </a:bodyPr>
           <a:lstStyle/>
           <a:p>
             <a:r>
@@ -4183,34 +4207,6 @@
       </p:grpSpPr>
       <p:sp>
         <p:nvSpPr>
-          <p:cNvPr id="2" name="Title 1"/>
-          <p:cNvSpPr>
-            <a:spLocks noGrp="1"/>
-          </p:cNvSpPr>
-          <p:nvPr>
-            <p:ph type="title"/>
-          </p:nvPr>
-        </p:nvSpPr>
-        <p:spPr>
-          <a:xfrm>
-            <a:off x="838200" y="365126"/>
-            <a:ext cx="10515600" cy="713047"/>
-          </a:xfrm>
-        </p:spPr>
-        <p:txBody>
-          <a:bodyPr/>
-          <a:lstStyle/>
-          <a:p>
-            <a:r>
-              <a:rPr lang="en-US" dirty="0" smtClean="0"/>
-              <a:t>Main Page (General User)</a:t>
-            </a:r>
-            <a:endParaRPr lang="en-US" dirty="0"/>
-          </a:p>
-        </p:txBody>
-      </p:sp>
-      <p:sp>
-        <p:nvSpPr>
           <p:cNvPr id="4" name="Rectangle 3"/>
           <p:cNvSpPr/>
           <p:nvPr/>
@@ -4249,6 +4245,125 @@
       </p:sp>
       <p:sp>
         <p:nvSpPr>
+          <p:cNvPr id="2" name="Title 1"/>
+          <p:cNvSpPr>
+            <a:spLocks noGrp="1"/>
+          </p:cNvSpPr>
+          <p:nvPr>
+            <p:ph type="title"/>
+          </p:nvPr>
+        </p:nvSpPr>
+        <p:spPr>
+          <a:xfrm>
+            <a:off x="838200" y="365126"/>
+            <a:ext cx="10515600" cy="713047"/>
+          </a:xfrm>
+        </p:spPr>
+        <p:txBody>
+          <a:bodyPr>
+            <a:normAutofit/>
+          </a:bodyPr>
+          <a:lstStyle/>
+          <a:p>
+            <a:r>
+              <a:rPr lang="en-US" dirty="0" smtClean="0"/>
+              <a:t>Main Page (General User)</a:t>
+            </a:r>
+            <a:endParaRPr lang="en-US" dirty="0"/>
+          </a:p>
+        </p:txBody>
+      </p:sp>
+      <p:sp>
+        <p:nvSpPr>
+          <p:cNvPr id="13" name="Content Placeholder 12"/>
+          <p:cNvSpPr>
+            <a:spLocks noGrp="1"/>
+          </p:cNvSpPr>
+          <p:nvPr>
+            <p:ph idx="1"/>
+          </p:nvPr>
+        </p:nvSpPr>
+        <p:spPr>
+          <a:xfrm>
+            <a:off x="838200" y="1642057"/>
+            <a:ext cx="2805752" cy="4554027"/>
+          </a:xfrm>
+        </p:spPr>
+        <p:style>
+          <a:lnRef idx="1">
+            <a:schemeClr val="accent1"/>
+          </a:lnRef>
+          <a:fillRef idx="2">
+            <a:schemeClr val="accent1"/>
+          </a:fillRef>
+          <a:effectRef idx="1">
+            <a:schemeClr val="accent1"/>
+          </a:effectRef>
+          <a:fontRef idx="minor">
+            <a:schemeClr val="dk1"/>
+          </a:fontRef>
+        </p:style>
+        <p:txBody>
+          <a:bodyPr anchor="ctr">
+            <a:normAutofit/>
+          </a:bodyPr>
+          <a:lstStyle/>
+          <a:p>
+            <a:pPr algn="ctr"/>
+            <a:r>
+              <a:rPr lang="en-US" dirty="0" smtClean="0"/>
+              <a:t>Children</a:t>
+            </a:r>
+          </a:p>
+          <a:p>
+            <a:pPr algn="ctr"/>
+            <a:r>
+              <a:rPr lang="en-US" dirty="0" smtClean="0"/>
+              <a:t>Vaccines</a:t>
+            </a:r>
+          </a:p>
+          <a:p>
+            <a:pPr algn="ctr"/>
+            <a:r>
+              <a:rPr lang="en-US" dirty="0" smtClean="0"/>
+              <a:t>Centers</a:t>
+            </a:r>
+          </a:p>
+          <a:p>
+            <a:pPr algn="ctr"/>
+            <a:endParaRPr lang="en-US" dirty="0"/>
+          </a:p>
+          <a:p>
+            <a:pPr marL="0" indent="0" algn="ctr">
+              <a:buNone/>
+            </a:pPr>
+            <a:endParaRPr lang="en-US" dirty="0" smtClean="0"/>
+          </a:p>
+          <a:p>
+            <a:pPr marL="0" indent="0" algn="ctr">
+              <a:buNone/>
+            </a:pPr>
+            <a:endParaRPr lang="en-US" dirty="0"/>
+          </a:p>
+          <a:p>
+            <a:pPr algn="ctr"/>
+            <a:r>
+              <a:rPr lang="en-US" dirty="0" smtClean="0"/>
+              <a:t>Options</a:t>
+            </a:r>
+          </a:p>
+          <a:p>
+            <a:pPr algn="ctr"/>
+            <a:r>
+              <a:rPr lang="en-US" dirty="0" smtClean="0"/>
+              <a:t>Logout</a:t>
+            </a:r>
+            <a:endParaRPr lang="en-US" dirty="0"/>
+          </a:p>
+        </p:txBody>
+      </p:sp>
+      <p:sp>
+        <p:nvSpPr>
           <p:cNvPr id="6" name="TextBox 5"/>
           <p:cNvSpPr txBox="1"/>
           <p:nvPr/>
@@ -4288,95 +4403,6 @@
               <a:t>Sidebar</a:t>
             </a:r>
             <a:endParaRPr lang="en-US" sz="2000" dirty="0"/>
-          </a:p>
-        </p:txBody>
-      </p:sp>
-      <p:sp>
-        <p:nvSpPr>
-          <p:cNvPr id="13" name="Content Placeholder 12"/>
-          <p:cNvSpPr>
-            <a:spLocks noGrp="1"/>
-          </p:cNvSpPr>
-          <p:nvPr>
-            <p:ph idx="1"/>
-          </p:nvPr>
-        </p:nvSpPr>
-        <p:spPr>
-          <a:xfrm>
-            <a:off x="838200" y="1642057"/>
-            <a:ext cx="2805752" cy="4554027"/>
-          </a:xfrm>
-        </p:spPr>
-        <p:style>
-          <a:lnRef idx="1">
-            <a:schemeClr val="accent1"/>
-          </a:lnRef>
-          <a:fillRef idx="2">
-            <a:schemeClr val="accent1"/>
-          </a:fillRef>
-          <a:effectRef idx="1">
-            <a:schemeClr val="accent1"/>
-          </a:effectRef>
-          <a:fontRef idx="minor">
-            <a:schemeClr val="dk1"/>
-          </a:fontRef>
-        </p:style>
-        <p:txBody>
-          <a:bodyPr anchor="ctr">
-            <a:normAutofit/>
-          </a:bodyPr>
-          <a:lstStyle/>
-          <a:p>
-            <a:pPr algn="ctr"/>
-            <a:r>
-              <a:rPr lang="en-US" dirty="0" smtClean="0"/>
-              <a:t>Children</a:t>
-            </a:r>
-          </a:p>
-          <a:p>
-            <a:pPr algn="ctr"/>
-            <a:r>
-              <a:rPr lang="en-US" dirty="0" smtClean="0"/>
-              <a:t>Vaccines</a:t>
-            </a:r>
-          </a:p>
-          <a:p>
-            <a:pPr algn="ctr"/>
-            <a:r>
-              <a:rPr lang="en-US" dirty="0" smtClean="0"/>
-              <a:t>Centers</a:t>
-            </a:r>
-          </a:p>
-          <a:p>
-            <a:pPr algn="ctr"/>
-            <a:endParaRPr lang="en-US" dirty="0"/>
-          </a:p>
-          <a:p>
-            <a:pPr marL="0" indent="0" algn="ctr">
-              <a:buNone/>
-            </a:pPr>
-            <a:endParaRPr lang="en-US" dirty="0" smtClean="0"/>
-          </a:p>
-          <a:p>
-            <a:pPr marL="0" indent="0" algn="ctr">
-              <a:buNone/>
-            </a:pPr>
-            <a:endParaRPr lang="en-US" dirty="0"/>
-          </a:p>
-          <a:p>
-            <a:pPr algn="ctr"/>
-            <a:r>
-              <a:rPr lang="en-US" dirty="0" smtClean="0"/>
-              <a:t>Options</a:t>
-            </a:r>
-          </a:p>
-          <a:p>
-            <a:pPr algn="ctr"/>
-            <a:r>
-              <a:rPr lang="en-US" dirty="0" smtClean="0"/>
-              <a:t>Logout</a:t>
-            </a:r>
-            <a:endParaRPr lang="en-US" dirty="0"/>
           </a:p>
         </p:txBody>
       </p:sp>
@@ -5093,34 +5119,6 @@
       </p:grpSpPr>
       <p:sp>
         <p:nvSpPr>
-          <p:cNvPr id="2" name="Title 1"/>
-          <p:cNvSpPr>
-            <a:spLocks noGrp="1"/>
-          </p:cNvSpPr>
-          <p:nvPr>
-            <p:ph type="title"/>
-          </p:nvPr>
-        </p:nvSpPr>
-        <p:spPr>
-          <a:xfrm>
-            <a:off x="838200" y="365126"/>
-            <a:ext cx="10515600" cy="713048"/>
-          </a:xfrm>
-        </p:spPr>
-        <p:txBody>
-          <a:bodyPr/>
-          <a:lstStyle/>
-          <a:p>
-            <a:r>
-              <a:rPr lang="en-US" dirty="0" smtClean="0"/>
-              <a:t>Sidebar: Children</a:t>
-            </a:r>
-            <a:endParaRPr lang="en-US" dirty="0"/>
-          </a:p>
-        </p:txBody>
-      </p:sp>
-      <p:sp>
-        <p:nvSpPr>
           <p:cNvPr id="4" name="Rectangle 3"/>
           <p:cNvSpPr/>
           <p:nvPr/>
@@ -5154,6 +5152,127 @@
           <a:p>
             <a:pPr algn="ctr"/>
             <a:endParaRPr lang="en-US"/>
+          </a:p>
+        </p:txBody>
+      </p:sp>
+      <p:sp>
+        <p:nvSpPr>
+          <p:cNvPr id="2" name="Title 1"/>
+          <p:cNvSpPr>
+            <a:spLocks noGrp="1"/>
+          </p:cNvSpPr>
+          <p:nvPr>
+            <p:ph type="title"/>
+          </p:nvPr>
+        </p:nvSpPr>
+        <p:spPr>
+          <a:xfrm>
+            <a:off x="838200" y="365126"/>
+            <a:ext cx="10515600" cy="713048"/>
+          </a:xfrm>
+        </p:spPr>
+        <p:txBody>
+          <a:bodyPr>
+            <a:normAutofit/>
+          </a:bodyPr>
+          <a:lstStyle/>
+          <a:p>
+            <a:r>
+              <a:rPr lang="en-US" dirty="0" smtClean="0"/>
+              <a:t>Sidebar: Children</a:t>
+            </a:r>
+            <a:endParaRPr lang="en-US" dirty="0"/>
+          </a:p>
+        </p:txBody>
+      </p:sp>
+      <p:sp>
+        <p:nvSpPr>
+          <p:cNvPr id="20" name="Content Placeholder 12"/>
+          <p:cNvSpPr>
+            <a:spLocks noGrp="1"/>
+          </p:cNvSpPr>
+          <p:nvPr>
+            <p:ph idx="1"/>
+          </p:nvPr>
+        </p:nvSpPr>
+        <p:spPr>
+          <a:xfrm>
+            <a:off x="6901396" y="2383556"/>
+            <a:ext cx="3122720" cy="3690423"/>
+          </a:xfrm>
+          <a:ln>
+            <a:noFill/>
+          </a:ln>
+        </p:spPr>
+        <p:style>
+          <a:lnRef idx="2">
+            <a:schemeClr val="accent3"/>
+          </a:lnRef>
+          <a:fillRef idx="1">
+            <a:schemeClr val="lt1"/>
+          </a:fillRef>
+          <a:effectRef idx="0">
+            <a:schemeClr val="accent3"/>
+          </a:effectRef>
+          <a:fontRef idx="minor">
+            <a:schemeClr val="dk1"/>
+          </a:fontRef>
+        </p:style>
+        <p:txBody>
+          <a:bodyPr anchor="t">
+            <a:normAutofit fontScale="92500" lnSpcReduction="10000"/>
+          </a:bodyPr>
+          <a:lstStyle/>
+          <a:p>
+            <a:r>
+              <a:rPr lang="en-US" dirty="0" smtClean="0"/>
+              <a:t>Child ID</a:t>
+            </a:r>
+          </a:p>
+          <a:p>
+            <a:r>
+              <a:rPr lang="en-US" dirty="0" smtClean="0"/>
+              <a:t>Child Name</a:t>
+            </a:r>
+          </a:p>
+          <a:p>
+            <a:r>
+              <a:rPr lang="en-US" dirty="0" smtClean="0"/>
+              <a:t>Child Age</a:t>
+            </a:r>
+          </a:p>
+          <a:p>
+            <a:r>
+              <a:rPr lang="en-US" dirty="0" smtClean="0"/>
+              <a:t>Date Of Birth</a:t>
+            </a:r>
+          </a:p>
+          <a:p>
+            <a:r>
+              <a:rPr lang="en-US" dirty="0" smtClean="0"/>
+              <a:t>Male/Female</a:t>
+            </a:r>
+          </a:p>
+          <a:p>
+            <a:r>
+              <a:rPr lang="en-US" dirty="0" smtClean="0"/>
+              <a:t>Height – Weight</a:t>
+            </a:r>
+          </a:p>
+          <a:p>
+            <a:r>
+              <a:rPr lang="en-US" dirty="0" smtClean="0"/>
+              <a:t>Vaccines Given</a:t>
+            </a:r>
+          </a:p>
+          <a:p>
+            <a:r>
+              <a:rPr lang="en-US" dirty="0" smtClean="0"/>
+              <a:t>Vaccines Pending</a:t>
+            </a:r>
+          </a:p>
+          <a:p>
+            <a:endParaRPr lang="en-US" dirty="0"/>
           </a:p>
         </p:txBody>
       </p:sp>
@@ -5223,14 +5342,28 @@
             <a:prstGeom prst="rect">
               <a:avLst/>
             </a:prstGeom>
-            <a:noFill/>
           </p:spPr>
+          <p:style>
+            <a:lnRef idx="2">
+              <a:schemeClr val="accent6"/>
+            </a:lnRef>
+            <a:fillRef idx="1">
+              <a:schemeClr val="lt1"/>
+            </a:fillRef>
+            <a:effectRef idx="0">
+              <a:schemeClr val="accent6"/>
+            </a:effectRef>
+            <a:fontRef idx="minor">
+              <a:schemeClr val="dk1"/>
+            </a:fontRef>
+          </p:style>
           <p:txBody>
             <a:bodyPr wrap="square" rtlCol="0">
               <a:spAutoFit/>
             </a:bodyPr>
             <a:lstStyle/>
             <a:p>
+              <a:pPr algn="ctr"/>
               <a:r>
                 <a:rPr lang="en-US" dirty="0" smtClean="0"/>
                 <a:t>List of Children</a:t>
@@ -5404,117 +5537,40 @@
       </p:pic>
       <p:sp>
         <p:nvSpPr>
-          <p:cNvPr id="20" name="Content Placeholder 12"/>
-          <p:cNvSpPr>
-            <a:spLocks noGrp="1"/>
-          </p:cNvSpPr>
-          <p:nvPr>
-            <p:ph idx="1"/>
-          </p:nvPr>
+          <p:cNvPr id="21" name="TextBox 20"/>
+          <p:cNvSpPr txBox="1"/>
+          <p:nvPr/>
         </p:nvSpPr>
         <p:spPr>
           <a:xfrm>
-            <a:off x="6901396" y="2383556"/>
-            <a:ext cx="3122720" cy="3690423"/>
+            <a:off x="5132067" y="1291344"/>
+            <a:ext cx="5681075" cy="369332"/>
           </a:xfrm>
-          <a:ln>
-            <a:noFill/>
-          </a:ln>
+          <a:prstGeom prst="rect">
+            <a:avLst/>
+          </a:prstGeom>
         </p:spPr>
         <p:style>
           <a:lnRef idx="2">
-            <a:schemeClr val="accent3"/>
+            <a:schemeClr val="accent2"/>
           </a:lnRef>
           <a:fillRef idx="1">
             <a:schemeClr val="lt1"/>
           </a:fillRef>
           <a:effectRef idx="0">
-            <a:schemeClr val="accent3"/>
+            <a:schemeClr val="accent2"/>
           </a:effectRef>
           <a:fontRef idx="minor">
             <a:schemeClr val="dk1"/>
           </a:fontRef>
         </p:style>
         <p:txBody>
-          <a:bodyPr anchor="t">
-            <a:normAutofit fontScale="92500" lnSpcReduction="10000"/>
-          </a:bodyPr>
-          <a:lstStyle/>
-          <a:p>
-            <a:r>
-              <a:rPr lang="en-US" dirty="0" smtClean="0"/>
-              <a:t>Child ID</a:t>
-            </a:r>
-          </a:p>
-          <a:p>
-            <a:r>
-              <a:rPr lang="en-US" dirty="0" smtClean="0"/>
-              <a:t>Child Name</a:t>
-            </a:r>
-          </a:p>
-          <a:p>
-            <a:r>
-              <a:rPr lang="en-US" dirty="0" smtClean="0"/>
-              <a:t>Child Age</a:t>
-            </a:r>
-          </a:p>
-          <a:p>
-            <a:r>
-              <a:rPr lang="en-US" dirty="0" smtClean="0"/>
-              <a:t>Date Of Birth</a:t>
-            </a:r>
-          </a:p>
-          <a:p>
-            <a:r>
-              <a:rPr lang="en-US" dirty="0" smtClean="0"/>
-              <a:t>Male/Female</a:t>
-            </a:r>
-          </a:p>
-          <a:p>
-            <a:r>
-              <a:rPr lang="en-US" dirty="0" smtClean="0"/>
-              <a:t>Height – Weight</a:t>
-            </a:r>
-          </a:p>
-          <a:p>
-            <a:r>
-              <a:rPr lang="en-US" dirty="0" smtClean="0"/>
-              <a:t>Vaccines Given</a:t>
-            </a:r>
-          </a:p>
-          <a:p>
-            <a:r>
-              <a:rPr lang="en-US" dirty="0" smtClean="0"/>
-              <a:t>Vaccines Pending</a:t>
-            </a:r>
-          </a:p>
-          <a:p>
-            <a:endParaRPr lang="en-US" dirty="0"/>
-          </a:p>
-        </p:txBody>
-      </p:sp>
-      <p:sp>
-        <p:nvSpPr>
-          <p:cNvPr id="21" name="TextBox 20"/>
-          <p:cNvSpPr txBox="1"/>
-          <p:nvPr/>
-        </p:nvSpPr>
-        <p:spPr>
-          <a:xfrm>
-            <a:off x="6358894" y="1366754"/>
-            <a:ext cx="2837976" cy="369332"/>
-          </a:xfrm>
-          <a:prstGeom prst="rect">
-            <a:avLst/>
-          </a:prstGeom>
-          <a:noFill/>
-        </p:spPr>
-        <p:txBody>
           <a:bodyPr wrap="square" rtlCol="0">
             <a:spAutoFit/>
           </a:bodyPr>
           <a:lstStyle/>
           <a:p>
+            <a:pPr algn="ctr"/>
             <a:r>
               <a:rPr lang="en-US" dirty="0" smtClean="0"/>
               <a:t>Child Information (Editable) </a:t>
@@ -5607,7 +5663,9 @@
           </a:xfrm>
         </p:spPr>
         <p:txBody>
-          <a:bodyPr/>
+          <a:bodyPr>
+            <a:normAutofit/>
+          </a:bodyPr>
           <a:lstStyle/>
           <a:p>
             <a:r>
@@ -6040,7 +6098,7 @@
 <file path=ppt/theme/theme1.xml><?xml version="1.0" encoding="utf-8"?>
 <a:theme xmlns:a="http://schemas.openxmlformats.org/drawingml/2006/main" name="Office Theme">
   <a:themeElements>
-    <a:clrScheme name="Office Theme">
+    <a:clrScheme name="Office">
       <a:dk1>
         <a:sysClr val="windowText" lastClr="000000"/>
       </a:dk1>
@@ -6078,7 +6136,7 @@
         <a:srgbClr val="954F72"/>
       </a:folHlink>
     </a:clrScheme>
-    <a:fontScheme name="Office Theme">
+    <a:fontScheme name="Office">
       <a:majorFont>
         <a:latin typeface="Calibri Light" panose="020F0302020204030204"/>
         <a:ea typeface=""/>
@@ -6150,7 +6208,7 @@
         <a:font script="Geor" typeface="Sylfaen"/>
       </a:minorFont>
     </a:fontScheme>
-    <a:fmtScheme name="Office Theme">
+    <a:fmtScheme name="Office">
       <a:fillStyleLst>
         <a:solidFill>
           <a:schemeClr val="phClr"/>
